--- a/Diagrams/Fremlæggelse/Marios pizzabar.pptx
+++ b/Diagrams/Fremlæggelse/Marios pizzabar.pptx
@@ -6,18 +6,11 @@
   </p:sldMasterIdLst>
   <p:sldIdLst>
     <p:sldId id="256" r:id="rId2"/>
-    <p:sldId id="265" r:id="rId3"/>
-    <p:sldId id="258" r:id="rId4"/>
-    <p:sldId id="266" r:id="rId5"/>
-    <p:sldId id="267" r:id="rId6"/>
-    <p:sldId id="264" r:id="rId7"/>
-    <p:sldId id="259" r:id="rId8"/>
-    <p:sldId id="260" r:id="rId9"/>
-    <p:sldId id="261" r:id="rId10"/>
-    <p:sldId id="263" r:id="rId11"/>
-    <p:sldId id="257" r:id="rId12"/>
-    <p:sldId id="268" r:id="rId13"/>
-    <p:sldId id="269" r:id="rId14"/>
+    <p:sldId id="259" r:id="rId3"/>
+    <p:sldId id="260" r:id="rId4"/>
+    <p:sldId id="261" r:id="rId5"/>
+    <p:sldId id="263" r:id="rId6"/>
+    <p:sldId id="257" r:id="rId7"/>
   </p:sldIdLst>
   <p:sldSz cx="12192000" cy="6858000"/>
   <p:notesSz cx="6858000" cy="9144000"/>
@@ -116,7 +109,103 @@
       </a:defRPr>
     </a:lvl9pPr>
   </p:defaultTextStyle>
+  <p:extLst>
+    <p:ext uri="{EFAFB233-063F-42B5-8137-9DF3F51BA10A}">
+      <p15:sldGuideLst xmlns:p15="http://schemas.microsoft.com/office/powerpoint/2012/main"/>
+    </p:ext>
+  </p:extLst>
 </p:presentation>
+</file>
+
+<file path=ppt/revisionInfo.xml><?xml version="1.0" encoding="utf-8"?>
+<p1510:revInfo xmlns:a="http://schemas.openxmlformats.org/drawingml/2006/main" xmlns:r="http://schemas.openxmlformats.org/officeDocument/2006/relationships" xmlns:p1510="http://schemas.microsoft.com/office/powerpoint/2015/10/main">
+  <p1510:revLst>
+    <p1510:client id="{9610FB37-23D4-4E1F-99AF-080A16620389}" v="4" dt="2021-04-26T10:44:43.229"/>
+  </p1510:revLst>
+</p1510:revInfo>
+</file>
+
+<file path=ppt/changesInfos/changesInfo1.xml><?xml version="1.0" encoding="utf-8"?>
+<pc:chgInfo xmlns:a="http://schemas.openxmlformats.org/drawingml/2006/main" xmlns:r="http://schemas.openxmlformats.org/officeDocument/2006/relationships" xmlns:ac="http://schemas.microsoft.com/office/drawing/2013/main/command" xmlns:pc="http://schemas.microsoft.com/office/powerpoint/2013/main/command">
+  <pc:docChgLst>
+    <pc:chgData name="Jakob Majid" userId="36a7c48055df6df5" providerId="LiveId" clId="{9610FB37-23D4-4E1F-99AF-080A16620389}"/>
+    <pc:docChg chg="undo custSel addSld delSld modSld">
+      <pc:chgData name="Jakob Majid" userId="36a7c48055df6df5" providerId="LiveId" clId="{9610FB37-23D4-4E1F-99AF-080A16620389}" dt="2021-04-26T10:46:44.701" v="175" actId="47"/>
+      <pc:docMkLst>
+        <pc:docMk/>
+      </pc:docMkLst>
+      <pc:sldChg chg="modSp mod">
+        <pc:chgData name="Jakob Majid" userId="36a7c48055df6df5" providerId="LiveId" clId="{9610FB37-23D4-4E1F-99AF-080A16620389}" dt="2021-04-26T10:23:32.522" v="46" actId="20577"/>
+        <pc:sldMkLst>
+          <pc:docMk/>
+          <pc:sldMk cId="3824252094" sldId="256"/>
+        </pc:sldMkLst>
+        <pc:spChg chg="mod">
+          <ac:chgData name="Jakob Majid" userId="36a7c48055df6df5" providerId="LiveId" clId="{9610FB37-23D4-4E1F-99AF-080A16620389}" dt="2021-04-26T10:23:09.026" v="31" actId="20577"/>
+          <ac:spMkLst>
+            <pc:docMk/>
+            <pc:sldMk cId="3824252094" sldId="256"/>
+            <ac:spMk id="2" creationId="{4B72BD05-4072-43B7-A4BA-E218C8536CBB}"/>
+          </ac:spMkLst>
+        </pc:spChg>
+        <pc:spChg chg="mod">
+          <ac:chgData name="Jakob Majid" userId="36a7c48055df6df5" providerId="LiveId" clId="{9610FB37-23D4-4E1F-99AF-080A16620389}" dt="2021-04-26T10:23:32.522" v="46" actId="20577"/>
+          <ac:spMkLst>
+            <pc:docMk/>
+            <pc:sldMk cId="3824252094" sldId="256"/>
+            <ac:spMk id="3" creationId="{189352DB-8E59-4AB1-844B-E7AC669AF8A8}"/>
+          </ac:spMkLst>
+        </pc:spChg>
+      </pc:sldChg>
+      <pc:sldChg chg="del">
+        <pc:chgData name="Jakob Majid" userId="36a7c48055df6df5" providerId="LiveId" clId="{9610FB37-23D4-4E1F-99AF-080A16620389}" dt="2021-04-26T10:30:55.435" v="47" actId="47"/>
+        <pc:sldMkLst>
+          <pc:docMk/>
+          <pc:sldMk cId="2093609737" sldId="264"/>
+        </pc:sldMkLst>
+      </pc:sldChg>
+      <pc:sldChg chg="addSp delSp modSp new del mod">
+        <pc:chgData name="Jakob Majid" userId="36a7c48055df6df5" providerId="LiveId" clId="{9610FB37-23D4-4E1F-99AF-080A16620389}" dt="2021-04-26T10:46:44.701" v="175" actId="47"/>
+        <pc:sldMkLst>
+          <pc:docMk/>
+          <pc:sldMk cId="2888611937" sldId="264"/>
+        </pc:sldMkLst>
+        <pc:spChg chg="mod">
+          <ac:chgData name="Jakob Majid" userId="36a7c48055df6df5" providerId="LiveId" clId="{9610FB37-23D4-4E1F-99AF-080A16620389}" dt="2021-04-26T10:42:04.266" v="58" actId="20577"/>
+          <ac:spMkLst>
+            <pc:docMk/>
+            <pc:sldMk cId="2888611937" sldId="264"/>
+            <ac:spMk id="2" creationId="{9B133F3B-3380-45DB-A6ED-C82EC73008A3}"/>
+          </ac:spMkLst>
+        </pc:spChg>
+        <pc:spChg chg="del mod">
+          <ac:chgData name="Jakob Majid" userId="36a7c48055df6df5" providerId="LiveId" clId="{9610FB37-23D4-4E1F-99AF-080A16620389}" dt="2021-04-26T10:43:52.294" v="63" actId="478"/>
+          <ac:spMkLst>
+            <pc:docMk/>
+            <pc:sldMk cId="2888611937" sldId="264"/>
+            <ac:spMk id="3" creationId="{E3DCBF64-4905-4E59-9F32-1634C13BA675}"/>
+          </ac:spMkLst>
+        </pc:spChg>
+        <pc:graphicFrameChg chg="add mod modGraphic">
+          <ac:chgData name="Jakob Majid" userId="36a7c48055df6df5" providerId="LiveId" clId="{9610FB37-23D4-4E1F-99AF-080A16620389}" dt="2021-04-26T10:46:03.758" v="174" actId="14734"/>
+          <ac:graphicFrameMkLst>
+            <pc:docMk/>
+            <pc:sldMk cId="2888611937" sldId="264"/>
+            <ac:graphicFrameMk id="4" creationId="{391B6888-5647-42C5-8A3C-8459ECB5412C}"/>
+          </ac:graphicFrameMkLst>
+        </pc:graphicFrameChg>
+        <pc:graphicFrameChg chg="add del">
+          <ac:chgData name="Jakob Majid" userId="36a7c48055df6df5" providerId="LiveId" clId="{9610FB37-23D4-4E1F-99AF-080A16620389}" dt="2021-04-26T10:44:43.229" v="69"/>
+          <ac:graphicFrameMkLst>
+            <pc:docMk/>
+            <pc:sldMk cId="2888611937" sldId="264"/>
+            <ac:graphicFrameMk id="5" creationId="{76A24A85-A50B-4B18-BDAD-EEFEB70159FD}"/>
+          </ac:graphicFrameMkLst>
+        </pc:graphicFrameChg>
+      </pc:sldChg>
+    </pc:docChg>
+  </pc:docChgLst>
+</pc:chgInfo>
 </file>
 
 <file path=ppt/slideLayouts/slideLayout1.xml><?xml version="1.0" encoding="utf-8"?>
@@ -274,7 +363,7 @@
           <a:p>
             <a:fld id="{CA430C0A-5464-4FE4-84EB-FF9C94016DF4}" type="datetimeFigureOut">
               <a:rPr lang="en-US" dirty="0"/>
-              <a:t>4/21/2021</a:t>
+              <a:t>4/26/2021</a:t>
             </a:fld>
             <a:endParaRPr lang="en-US" dirty="0"/>
           </a:p>
@@ -440,7 +529,7 @@
           <a:p>
             <a:fld id="{E9F9C37B-1D36-470B-8223-D6C91242EC14}" type="datetimeFigureOut">
               <a:rPr lang="en-US" dirty="0"/>
-              <a:t>4/21/2021</a:t>
+              <a:t>4/26/2021</a:t>
             </a:fld>
             <a:endParaRPr lang="en-US" dirty="0"/>
           </a:p>
@@ -615,7 +704,7 @@
           <a:p>
             <a:fld id="{67C6F52A-A82B-47A2-A83A-8C4C91F2D59F}" type="datetimeFigureOut">
               <a:rPr lang="en-US" dirty="0"/>
-              <a:t>4/21/2021</a:t>
+              <a:t>4/26/2021</a:t>
             </a:fld>
             <a:endParaRPr lang="en-US" dirty="0"/>
           </a:p>
@@ -780,7 +869,7 @@
           <a:p>
             <a:fld id="{F070A7B3-6521-4DCA-87E5-044747A908C1}" type="datetimeFigureOut">
               <a:rPr lang="en-US" dirty="0"/>
-              <a:t>4/21/2021</a:t>
+              <a:t>4/26/2021</a:t>
             </a:fld>
             <a:endParaRPr lang="en-US" dirty="0"/>
           </a:p>
@@ -1036,7 +1125,7 @@
           <a:p>
             <a:fld id="{360C6404-AD6E-4860-8E75-697CA40B95DA}" type="datetimeFigureOut">
               <a:rPr lang="en-US" dirty="0"/>
-              <a:t>4/21/2021</a:t>
+              <a:t>4/26/2021</a:t>
             </a:fld>
             <a:endParaRPr lang="en-US" dirty="0"/>
           </a:p>
@@ -1264,7 +1353,7 @@
           <a:p>
             <a:fld id="{AB134690-1557-4C89-A502-4959FE7FAD70}" type="datetimeFigureOut">
               <a:rPr lang="en-US" dirty="0"/>
-              <a:t>4/21/2021</a:t>
+              <a:t>4/26/2021</a:t>
             </a:fld>
             <a:endParaRPr lang="en-US" dirty="0"/>
           </a:p>
@@ -1614,7 +1703,7 @@
           <a:p>
             <a:fld id="{4F7D4976-E339-4826-83B7-FBD03F55ECF8}" type="datetimeFigureOut">
               <a:rPr lang="en-US" dirty="0"/>
-              <a:t>4/21/2021</a:t>
+              <a:t>4/26/2021</a:t>
             </a:fld>
             <a:endParaRPr lang="en-US" dirty="0"/>
           </a:p>
@@ -1750,7 +1839,7 @@
           <a:p>
             <a:fld id="{E1037C31-9E7A-4F99-8774-A0E530DE1A42}" type="datetimeFigureOut">
               <a:rPr lang="en-US" dirty="0"/>
-              <a:t>4/21/2021</a:t>
+              <a:t>4/26/2021</a:t>
             </a:fld>
             <a:endParaRPr lang="en-US" dirty="0"/>
           </a:p>
@@ -1840,7 +1929,7 @@
           <a:p>
             <a:fld id="{C278504F-A551-4DE0-9316-4DCD1D8CC752}" type="datetimeFigureOut">
               <a:rPr lang="en-US" dirty="0"/>
-              <a:t>4/21/2021</a:t>
+              <a:t>4/26/2021</a:t>
             </a:fld>
             <a:endParaRPr lang="en-US" dirty="0"/>
           </a:p>
@@ -2192,7 +2281,7 @@
           <a:p>
             <a:fld id="{D1BE4249-C0D0-4B06-8692-E8BB871AF643}" type="datetimeFigureOut">
               <a:rPr lang="en-US" dirty="0"/>
-              <a:t>4/21/2021</a:t>
+              <a:t>4/26/2021</a:t>
             </a:fld>
             <a:endParaRPr lang="en-US" dirty="0"/>
           </a:p>
@@ -2505,7 +2594,7 @@
           <a:p>
             <a:fld id="{042B0DB6-F5C7-45FB-8CF3-31B45F9C2DAC}" type="datetimeFigureOut">
               <a:rPr lang="en-US" dirty="0"/>
-              <a:t>4/21/2021</a:t>
+              <a:t>4/26/2021</a:t>
             </a:fld>
             <a:endParaRPr lang="en-US" dirty="0"/>
           </a:p>
@@ -2745,7 +2834,7 @@
           <a:p>
             <a:fld id="{1160EA64-D806-43AC-9DF2-F8C432F32B4C}" type="datetimeFigureOut">
               <a:rPr lang="en-US" dirty="0"/>
-              <a:t>4/21/2021</a:t>
+              <a:t>4/26/2021</a:t>
             </a:fld>
             <a:endParaRPr lang="en-US" dirty="0"/>
           </a:p>
@@ -3220,7 +3309,7 @@
           <a:p>
             <a:r>
               <a:rPr lang="da-DK" dirty="0"/>
-              <a:t>Marios pizzabar</a:t>
+              <a:t>Risikoanalyse &amp; risikoplan</a:t>
             </a:r>
           </a:p>
         </p:txBody>
@@ -3246,7 +3335,10 @@
           <a:bodyPr/>
           <a:lstStyle/>
           <a:p>
-            <a:endParaRPr lang="da-DK" dirty="0"/>
+            <a:r>
+              <a:rPr lang="da-DK" dirty="0"/>
+              <a:t>Marios Pizzabar</a:t>
+            </a:r>
           </a:p>
         </p:txBody>
       </p:sp>
@@ -3263,7 +3355,7 @@
 </p:sld>
 </file>
 
-<file path=ppt/slides/slide10.xml><?xml version="1.0" encoding="utf-8"?>
+<file path=ppt/slides/slide2.xml><?xml version="1.0" encoding="utf-8"?>
 <p:sld xmlns:a="http://schemas.openxmlformats.org/drawingml/2006/main" xmlns:r="http://schemas.openxmlformats.org/officeDocument/2006/relationships" xmlns:p="http://schemas.openxmlformats.org/presentationml/2006/main">
   <p:cSld>
     <p:spTree>
@@ -3285,6 +3377,461 @@
           <p:cNvPr id="2" name="Titel 1">
             <a:extLst>
               <a:ext uri="{FF2B5EF4-FFF2-40B4-BE49-F238E27FC236}">
+                <a16:creationId xmlns:a16="http://schemas.microsoft.com/office/drawing/2014/main" id="{C098B9EF-2EE7-489E-A0A2-9497F3B3D17C}"/>
+              </a:ext>
+            </a:extLst>
+          </p:cNvPr>
+          <p:cNvSpPr>
+            <a:spLocks noGrp="1"/>
+          </p:cNvSpPr>
+          <p:nvPr>
+            <p:ph type="title"/>
+          </p:nvPr>
+        </p:nvSpPr>
+        <p:spPr/>
+        <p:txBody>
+          <a:bodyPr/>
+          <a:lstStyle/>
+          <a:p>
+            <a:r>
+              <a:rPr lang="da-DK" dirty="0"/>
+              <a:t>Scenarier</a:t>
+            </a:r>
+          </a:p>
+        </p:txBody>
+      </p:sp>
+      <p:sp>
+        <p:nvSpPr>
+          <p:cNvPr id="3" name="Pladsholder til indhold 2">
+            <a:extLst>
+              <a:ext uri="{FF2B5EF4-FFF2-40B4-BE49-F238E27FC236}">
+                <a16:creationId xmlns:a16="http://schemas.microsoft.com/office/drawing/2014/main" id="{1B5A0CF6-1582-4F5A-9301-68967E350953}"/>
+              </a:ext>
+            </a:extLst>
+          </p:cNvPr>
+          <p:cNvSpPr>
+            <a:spLocks noGrp="1"/>
+          </p:cNvSpPr>
+          <p:nvPr>
+            <p:ph idx="1"/>
+          </p:nvPr>
+        </p:nvSpPr>
+        <p:spPr/>
+        <p:txBody>
+          <a:bodyPr/>
+          <a:lstStyle/>
+          <a:p>
+            <a:pPr marL="0" indent="0">
+              <a:buNone/>
+            </a:pPr>
+            <a:r>
+              <a:rPr lang="da-DK" dirty="0">
+                <a:latin typeface="Times New Roman" panose="02020603050405020304" pitchFamily="18" charset="0"/>
+                <a:cs typeface="Times New Roman" panose="02020603050405020304" pitchFamily="18" charset="0"/>
+              </a:rPr>
+              <a:t>Scenarie 1. Tastefejl indebærer brugerens menneskelige fejl.</a:t>
+            </a:r>
+          </a:p>
+          <a:p>
+            <a:pPr>
+              <a:buFontTx/>
+              <a:buChar char="-"/>
+            </a:pPr>
+            <a:r>
+              <a:rPr lang="da-DK" dirty="0">
+                <a:latin typeface="Times New Roman" panose="02020603050405020304" pitchFamily="18" charset="0"/>
+                <a:cs typeface="Times New Roman" panose="02020603050405020304" pitchFamily="18" charset="0"/>
+              </a:rPr>
+              <a:t>Input fejl</a:t>
+            </a:r>
+          </a:p>
+          <a:p>
+            <a:pPr marL="0" indent="0">
+              <a:buNone/>
+            </a:pPr>
+            <a:endParaRPr lang="da-DK" dirty="0">
+              <a:latin typeface="Times New Roman" panose="02020603050405020304" pitchFamily="18" charset="0"/>
+              <a:cs typeface="Times New Roman" panose="02020603050405020304" pitchFamily="18" charset="0"/>
+            </a:endParaRPr>
+          </a:p>
+          <a:p>
+            <a:pPr marL="0" indent="0">
+              <a:buNone/>
+            </a:pPr>
+            <a:r>
+              <a:rPr lang="da-DK" dirty="0">
+                <a:latin typeface="Times New Roman" panose="02020603050405020304" pitchFamily="18" charset="0"/>
+                <a:cs typeface="Times New Roman" panose="02020603050405020304" pitchFamily="18" charset="0"/>
+              </a:rPr>
+              <a:t>Scenarie 2. Systemfejl indebære når programmet stopper med at virke.</a:t>
+            </a:r>
+          </a:p>
+          <a:p>
+            <a:pPr>
+              <a:buFontTx/>
+              <a:buChar char="-"/>
+            </a:pPr>
+            <a:r>
+              <a:rPr lang="da-DK" dirty="0">
+                <a:latin typeface="Times New Roman" panose="02020603050405020304" pitchFamily="18" charset="0"/>
+                <a:cs typeface="Times New Roman" panose="02020603050405020304" pitchFamily="18" charset="0"/>
+              </a:rPr>
+              <a:t>Fil ikke fundet</a:t>
+            </a:r>
+          </a:p>
+          <a:p>
+            <a:pPr>
+              <a:buFontTx/>
+              <a:buChar char="-"/>
+            </a:pPr>
+            <a:endParaRPr lang="da-DK" dirty="0">
+              <a:latin typeface="Times New Roman" panose="02020603050405020304" pitchFamily="18" charset="0"/>
+              <a:cs typeface="Times New Roman" panose="02020603050405020304" pitchFamily="18" charset="0"/>
+            </a:endParaRPr>
+          </a:p>
+        </p:txBody>
+      </p:sp>
+    </p:spTree>
+    <p:extLst>
+      <p:ext uri="{BB962C8B-B14F-4D97-AF65-F5344CB8AC3E}">
+        <p14:creationId xmlns:p14="http://schemas.microsoft.com/office/powerpoint/2010/main" val="2184215786"/>
+      </p:ext>
+    </p:extLst>
+  </p:cSld>
+  <p:clrMapOvr>
+    <a:masterClrMapping/>
+  </p:clrMapOvr>
+</p:sld>
+</file>
+
+<file path=ppt/slides/slide3.xml><?xml version="1.0" encoding="utf-8"?>
+<p:sld xmlns:a="http://schemas.openxmlformats.org/drawingml/2006/main" xmlns:r="http://schemas.openxmlformats.org/officeDocument/2006/relationships" xmlns:p="http://schemas.openxmlformats.org/presentationml/2006/main">
+  <p:cSld>
+    <p:spTree>
+      <p:nvGrpSpPr>
+        <p:cNvPr id="1" name=""/>
+        <p:cNvGrpSpPr/>
+        <p:nvPr/>
+      </p:nvGrpSpPr>
+      <p:grpSpPr>
+        <a:xfrm>
+          <a:off x="0" y="0"/>
+          <a:ext cx="0" cy="0"/>
+          <a:chOff x="0" y="0"/>
+          <a:chExt cx="0" cy="0"/>
+        </a:xfrm>
+      </p:grpSpPr>
+      <p:sp>
+        <p:nvSpPr>
+          <p:cNvPr id="2" name="Titel 1">
+            <a:extLst>
+              <a:ext uri="{FF2B5EF4-FFF2-40B4-BE49-F238E27FC236}">
+                <a16:creationId xmlns:a16="http://schemas.microsoft.com/office/drawing/2014/main" id="{1D578766-AC36-4E65-9B5B-D54CD9C82959}"/>
+              </a:ext>
+            </a:extLst>
+          </p:cNvPr>
+          <p:cNvSpPr>
+            <a:spLocks noGrp="1"/>
+          </p:cNvSpPr>
+          <p:nvPr>
+            <p:ph type="title"/>
+          </p:nvPr>
+        </p:nvSpPr>
+        <p:spPr/>
+        <p:txBody>
+          <a:bodyPr/>
+          <a:lstStyle/>
+          <a:p>
+            <a:r>
+              <a:rPr lang="da-DK" dirty="0">
+                <a:latin typeface="Times New Roman" panose="02020603050405020304" pitchFamily="18" charset="0"/>
+                <a:cs typeface="Times New Roman" panose="02020603050405020304" pitchFamily="18" charset="0"/>
+              </a:rPr>
+              <a:t>Sandsynlighed</a:t>
+            </a:r>
+            <a:endParaRPr lang="da-DK" dirty="0"/>
+          </a:p>
+        </p:txBody>
+      </p:sp>
+      <p:sp>
+        <p:nvSpPr>
+          <p:cNvPr id="3" name="Pladsholder til indhold 2">
+            <a:extLst>
+              <a:ext uri="{FF2B5EF4-FFF2-40B4-BE49-F238E27FC236}">
+                <a16:creationId xmlns:a16="http://schemas.microsoft.com/office/drawing/2014/main" id="{096D32F5-198B-41D9-8831-1E453948F4DF}"/>
+              </a:ext>
+            </a:extLst>
+          </p:cNvPr>
+          <p:cNvSpPr>
+            <a:spLocks noGrp="1"/>
+          </p:cNvSpPr>
+          <p:nvPr>
+            <p:ph idx="1"/>
+          </p:nvPr>
+        </p:nvSpPr>
+        <p:spPr/>
+        <p:txBody>
+          <a:bodyPr/>
+          <a:lstStyle/>
+          <a:p>
+            <a:pPr marL="0" indent="0">
+              <a:buNone/>
+            </a:pPr>
+            <a:r>
+              <a:rPr lang="da-DK" dirty="0">
+                <a:latin typeface="Times New Roman" panose="02020603050405020304" pitchFamily="18" charset="0"/>
+                <a:cs typeface="Times New Roman" panose="02020603050405020304" pitchFamily="18" charset="0"/>
+              </a:rPr>
+              <a:t>Skala 1-5</a:t>
+            </a:r>
+          </a:p>
+          <a:p>
+            <a:pPr marL="342900" indent="-342900">
+              <a:buAutoNum type="arabicPeriod"/>
+            </a:pPr>
+            <a:r>
+              <a:rPr lang="da-DK" dirty="0">
+                <a:latin typeface="Times New Roman" panose="02020603050405020304" pitchFamily="18" charset="0"/>
+                <a:cs typeface="Times New Roman" panose="02020603050405020304" pitchFamily="18" charset="0"/>
+              </a:rPr>
+              <a:t>Meget lav (&lt;10%)</a:t>
+            </a:r>
+          </a:p>
+          <a:p>
+            <a:pPr marL="342900" indent="-342900">
+              <a:buAutoNum type="arabicPeriod"/>
+            </a:pPr>
+            <a:r>
+              <a:rPr lang="da-DK" dirty="0">
+                <a:latin typeface="Times New Roman" panose="02020603050405020304" pitchFamily="18" charset="0"/>
+                <a:cs typeface="Times New Roman" panose="02020603050405020304" pitchFamily="18" charset="0"/>
+              </a:rPr>
+              <a:t>Lav (10%-25%)</a:t>
+            </a:r>
+          </a:p>
+          <a:p>
+            <a:pPr marL="342900" indent="-342900">
+              <a:buAutoNum type="arabicPeriod"/>
+            </a:pPr>
+            <a:r>
+              <a:rPr lang="da-DK" dirty="0">
+                <a:latin typeface="Times New Roman" panose="02020603050405020304" pitchFamily="18" charset="0"/>
+                <a:cs typeface="Times New Roman" panose="02020603050405020304" pitchFamily="18" charset="0"/>
+              </a:rPr>
+              <a:t>Moderat (25%-50%)</a:t>
+            </a:r>
+          </a:p>
+          <a:p>
+            <a:pPr marL="342900" indent="-342900">
+              <a:buAutoNum type="arabicPeriod"/>
+            </a:pPr>
+            <a:r>
+              <a:rPr lang="da-DK" dirty="0">
+                <a:latin typeface="Times New Roman" panose="02020603050405020304" pitchFamily="18" charset="0"/>
+                <a:cs typeface="Times New Roman" panose="02020603050405020304" pitchFamily="18" charset="0"/>
+              </a:rPr>
+              <a:t>Høj (50%-75%)</a:t>
+            </a:r>
+          </a:p>
+          <a:p>
+            <a:pPr marL="342900" indent="-342900">
+              <a:buAutoNum type="arabicPeriod"/>
+            </a:pPr>
+            <a:r>
+              <a:rPr lang="da-DK" dirty="0">
+                <a:latin typeface="Times New Roman" panose="02020603050405020304" pitchFamily="18" charset="0"/>
+                <a:cs typeface="Times New Roman" panose="02020603050405020304" pitchFamily="18" charset="0"/>
+              </a:rPr>
+              <a:t>Meget høj (&gt;75%)</a:t>
+            </a:r>
+          </a:p>
+          <a:p>
+            <a:pPr marL="342900" indent="-342900">
+              <a:buAutoNum type="arabicPeriod"/>
+            </a:pPr>
+            <a:endParaRPr lang="da-DK" dirty="0"/>
+          </a:p>
+        </p:txBody>
+      </p:sp>
+    </p:spTree>
+    <p:extLst>
+      <p:ext uri="{BB962C8B-B14F-4D97-AF65-F5344CB8AC3E}">
+        <p14:creationId xmlns:p14="http://schemas.microsoft.com/office/powerpoint/2010/main" val="582433322"/>
+      </p:ext>
+    </p:extLst>
+  </p:cSld>
+  <p:clrMapOvr>
+    <a:masterClrMapping/>
+  </p:clrMapOvr>
+</p:sld>
+</file>
+
+<file path=ppt/slides/slide4.xml><?xml version="1.0" encoding="utf-8"?>
+<p:sld xmlns:a="http://schemas.openxmlformats.org/drawingml/2006/main" xmlns:r="http://schemas.openxmlformats.org/officeDocument/2006/relationships" xmlns:p="http://schemas.openxmlformats.org/presentationml/2006/main">
+  <p:cSld>
+    <p:spTree>
+      <p:nvGrpSpPr>
+        <p:cNvPr id="1" name=""/>
+        <p:cNvGrpSpPr/>
+        <p:nvPr/>
+      </p:nvGrpSpPr>
+      <p:grpSpPr>
+        <a:xfrm>
+          <a:off x="0" y="0"/>
+          <a:ext cx="0" cy="0"/>
+          <a:chOff x="0" y="0"/>
+          <a:chExt cx="0" cy="0"/>
+        </a:xfrm>
+      </p:grpSpPr>
+      <p:sp>
+        <p:nvSpPr>
+          <p:cNvPr id="2" name="Titel 1">
+            <a:extLst>
+              <a:ext uri="{FF2B5EF4-FFF2-40B4-BE49-F238E27FC236}">
+                <a16:creationId xmlns:a16="http://schemas.microsoft.com/office/drawing/2014/main" id="{B68206BD-CD1A-48FF-BB9D-520D4BA951E5}"/>
+              </a:ext>
+            </a:extLst>
+          </p:cNvPr>
+          <p:cNvSpPr>
+            <a:spLocks noGrp="1"/>
+          </p:cNvSpPr>
+          <p:nvPr>
+            <p:ph type="title"/>
+          </p:nvPr>
+        </p:nvSpPr>
+        <p:spPr/>
+        <p:txBody>
+          <a:bodyPr/>
+          <a:lstStyle/>
+          <a:p>
+            <a:r>
+              <a:rPr lang="da-DK" dirty="0">
+                <a:latin typeface="Times New Roman" panose="02020603050405020304" pitchFamily="18" charset="0"/>
+                <a:cs typeface="Times New Roman" panose="02020603050405020304" pitchFamily="18" charset="0"/>
+              </a:rPr>
+              <a:t>Konsekvens</a:t>
+            </a:r>
+            <a:endParaRPr lang="da-DK" dirty="0"/>
+          </a:p>
+        </p:txBody>
+      </p:sp>
+      <p:sp>
+        <p:nvSpPr>
+          <p:cNvPr id="3" name="Pladsholder til indhold 2">
+            <a:extLst>
+              <a:ext uri="{FF2B5EF4-FFF2-40B4-BE49-F238E27FC236}">
+                <a16:creationId xmlns:a16="http://schemas.microsoft.com/office/drawing/2014/main" id="{F8EE7A0A-8513-4B25-9992-7AA05FEFBA9C}"/>
+              </a:ext>
+            </a:extLst>
+          </p:cNvPr>
+          <p:cNvSpPr>
+            <a:spLocks noGrp="1"/>
+          </p:cNvSpPr>
+          <p:nvPr>
+            <p:ph idx="1"/>
+          </p:nvPr>
+        </p:nvSpPr>
+        <p:spPr/>
+        <p:txBody>
+          <a:bodyPr/>
+          <a:lstStyle/>
+          <a:p>
+            <a:pPr marL="0" indent="0">
+              <a:buNone/>
+            </a:pPr>
+            <a:r>
+              <a:rPr lang="da-DK" dirty="0">
+                <a:latin typeface="Times New Roman" panose="02020603050405020304" pitchFamily="18" charset="0"/>
+                <a:cs typeface="Times New Roman" panose="02020603050405020304" pitchFamily="18" charset="0"/>
+              </a:rPr>
+              <a:t>Skala 1-4</a:t>
+            </a:r>
+          </a:p>
+          <a:p>
+            <a:pPr marL="342900" indent="-342900">
+              <a:buAutoNum type="arabicPeriod"/>
+            </a:pPr>
+            <a:r>
+              <a:rPr lang="da-DK" dirty="0">
+                <a:latin typeface="Times New Roman" panose="02020603050405020304" pitchFamily="18" charset="0"/>
+                <a:cs typeface="Times New Roman" panose="02020603050405020304" pitchFamily="18" charset="0"/>
+              </a:rPr>
+              <a:t>Ubetydelig</a:t>
+            </a:r>
+          </a:p>
+          <a:p>
+            <a:pPr marL="342900" indent="-342900">
+              <a:buAutoNum type="arabicPeriod"/>
+            </a:pPr>
+            <a:r>
+              <a:rPr lang="da-DK" dirty="0">
+                <a:latin typeface="Times New Roman" panose="02020603050405020304" pitchFamily="18" charset="0"/>
+                <a:cs typeface="Times New Roman" panose="02020603050405020304" pitchFamily="18" charset="0"/>
+              </a:rPr>
+              <a:t>Tålelig</a:t>
+            </a:r>
+          </a:p>
+          <a:p>
+            <a:pPr marL="342900" indent="-342900">
+              <a:buAutoNum type="arabicPeriod"/>
+            </a:pPr>
+            <a:r>
+              <a:rPr lang="da-DK" dirty="0">
+                <a:latin typeface="Times New Roman" panose="02020603050405020304" pitchFamily="18" charset="0"/>
+                <a:cs typeface="Times New Roman" panose="02020603050405020304" pitchFamily="18" charset="0"/>
+              </a:rPr>
+              <a:t>Alvorlig</a:t>
+            </a:r>
+          </a:p>
+          <a:p>
+            <a:pPr marL="342900" indent="-342900">
+              <a:buAutoNum type="arabicPeriod"/>
+            </a:pPr>
+            <a:r>
+              <a:rPr lang="da-DK" dirty="0">
+                <a:latin typeface="Times New Roman" panose="02020603050405020304" pitchFamily="18" charset="0"/>
+                <a:cs typeface="Times New Roman" panose="02020603050405020304" pitchFamily="18" charset="0"/>
+              </a:rPr>
+              <a:t>Katastrofal </a:t>
+            </a:r>
+          </a:p>
+        </p:txBody>
+      </p:sp>
+    </p:spTree>
+    <p:extLst>
+      <p:ext uri="{BB962C8B-B14F-4D97-AF65-F5344CB8AC3E}">
+        <p14:creationId xmlns:p14="http://schemas.microsoft.com/office/powerpoint/2010/main" val="739501535"/>
+      </p:ext>
+    </p:extLst>
+  </p:cSld>
+  <p:clrMapOvr>
+    <a:masterClrMapping/>
+  </p:clrMapOvr>
+</p:sld>
+</file>
+
+<file path=ppt/slides/slide5.xml><?xml version="1.0" encoding="utf-8"?>
+<p:sld xmlns:a="http://schemas.openxmlformats.org/drawingml/2006/main" xmlns:r="http://schemas.openxmlformats.org/officeDocument/2006/relationships" xmlns:p="http://schemas.openxmlformats.org/presentationml/2006/main">
+  <p:cSld>
+    <p:spTree>
+      <p:nvGrpSpPr>
+        <p:cNvPr id="1" name=""/>
+        <p:cNvGrpSpPr/>
+        <p:nvPr/>
+      </p:nvGrpSpPr>
+      <p:grpSpPr>
+        <a:xfrm>
+          <a:off x="0" y="0"/>
+          <a:ext cx="0" cy="0"/>
+          <a:chOff x="0" y="0"/>
+          <a:chExt cx="0" cy="0"/>
+        </a:xfrm>
+      </p:grpSpPr>
+      <p:sp>
+        <p:nvSpPr>
+          <p:cNvPr id="2" name="Titel 1">
+            <a:extLst>
+              <a:ext uri="{FF2B5EF4-FFF2-40B4-BE49-F238E27FC236}">
                 <a16:creationId xmlns:a16="http://schemas.microsoft.com/office/drawing/2014/main" id="{C68BD9D8-A06A-4283-812E-EF774A16E2C0}"/>
               </a:ext>
             </a:extLst>
@@ -3424,7 +3971,7 @@
 </p:sld>
 </file>
 
-<file path=ppt/slides/slide11.xml><?xml version="1.0" encoding="utf-8"?>
+<file path=ppt/slides/slide6.xml><?xml version="1.0" encoding="utf-8"?>
 <p:sld xmlns:a="http://schemas.openxmlformats.org/drawingml/2006/main" xmlns:r="http://schemas.openxmlformats.org/officeDocument/2006/relationships" xmlns:p="http://schemas.openxmlformats.org/presentationml/2006/main">
   <p:cSld>
     <p:spTree>
@@ -3893,8 +4440,8 @@
           </a:graphicData>
         </a:graphic>
       </p:graphicFrame>
-      <mc:AlternateContent xmlns:mc="http://schemas.openxmlformats.org/markup-compatibility/2006">
-        <mc:Choice xmlns:a14="http://schemas.microsoft.com/office/drawing/2010/main" Requires="a14">
+      <mc:AlternateContent xmlns:mc="http://schemas.openxmlformats.org/markup-compatibility/2006" xmlns:a14="http://schemas.microsoft.com/office/drawing/2010/main">
+        <mc:Choice Requires="a14">
           <p:sp>
             <p:nvSpPr>
               <p:cNvPr id="5" name="Tekstfelt 4">
@@ -3923,6 +4470,7 @@
               </a:bodyPr>
               <a:lstStyle/>
               <a:p>
+                <a:pPr/>
                 <a14:m>
                   <m:oMathPara xmlns:m="http://schemas.openxmlformats.org/officeDocument/2006/math">
                     <m:oMathParaPr>
@@ -3962,12 +4510,15 @@
                     </m:oMath>
                   </m:oMathPara>
                 </a14:m>
-                <a:endParaRPr lang="da-DK" dirty="0"/>
+                <a:endParaRPr lang="da-DK" dirty="0">
+                  <a:latin typeface="Times New Roman" panose="02020603050405020304" pitchFamily="18" charset="0"/>
+                  <a:cs typeface="Times New Roman" panose="02020603050405020304" pitchFamily="18" charset="0"/>
+                </a:endParaRPr>
               </a:p>
             </p:txBody>
           </p:sp>
         </mc:Choice>
-        <mc:Fallback>
+        <mc:Fallback xmlns="">
           <p:sp>
             <p:nvSpPr>
               <p:cNvPr id="5" name="Tekstfelt 4">
@@ -4016,1137 +4567,6 @@
     <p:extLst>
       <p:ext uri="{BB962C8B-B14F-4D97-AF65-F5344CB8AC3E}">
         <p14:creationId xmlns:p14="http://schemas.microsoft.com/office/powerpoint/2010/main" val="3224959535"/>
-      </p:ext>
-    </p:extLst>
-  </p:cSld>
-  <p:clrMapOvr>
-    <a:masterClrMapping/>
-  </p:clrMapOvr>
-</p:sld>
-</file>
-
-<file path=ppt/slides/slide12.xml><?xml version="1.0" encoding="utf-8"?>
-<p:sld xmlns:a="http://schemas.openxmlformats.org/drawingml/2006/main" xmlns:r="http://schemas.openxmlformats.org/officeDocument/2006/relationships" xmlns:p="http://schemas.openxmlformats.org/presentationml/2006/main">
-  <p:cSld>
-    <p:spTree>
-      <p:nvGrpSpPr>
-        <p:cNvPr id="1" name=""/>
-        <p:cNvGrpSpPr/>
-        <p:nvPr/>
-      </p:nvGrpSpPr>
-      <p:grpSpPr>
-        <a:xfrm>
-          <a:off x="0" y="0"/>
-          <a:ext cx="0" cy="0"/>
-          <a:chOff x="0" y="0"/>
-          <a:chExt cx="0" cy="0"/>
-        </a:xfrm>
-      </p:grpSpPr>
-      <p:sp>
-        <p:nvSpPr>
-          <p:cNvPr id="2" name="Titel 1">
-            <a:extLst>
-              <a:ext uri="{FF2B5EF4-FFF2-40B4-BE49-F238E27FC236}">
-                <a16:creationId xmlns:a16="http://schemas.microsoft.com/office/drawing/2014/main" id="{B82D313C-55CC-4672-882D-FBF95B2FCB27}"/>
-              </a:ext>
-            </a:extLst>
-          </p:cNvPr>
-          <p:cNvSpPr>
-            <a:spLocks noGrp="1"/>
-          </p:cNvSpPr>
-          <p:nvPr>
-            <p:ph type="title"/>
-          </p:nvPr>
-        </p:nvSpPr>
-        <p:spPr>
-          <a:xfrm>
-            <a:off x="1262729" y="1289303"/>
-            <a:ext cx="9638443" cy="3339303"/>
-          </a:xfrm>
-          <a:ln>
-            <a:noFill/>
-          </a:ln>
-        </p:spPr>
-        <p:txBody>
-          <a:bodyPr vert="horz" lIns="274320" tIns="182880" rIns="274320" bIns="182880" rtlCol="0" anchor="ctr" anchorCtr="1">
-            <a:normAutofit/>
-          </a:bodyPr>
-          <a:lstStyle/>
-          <a:p>
-            <a:r>
-              <a:rPr lang="en-US" sz="5000" dirty="0" err="1">
-                <a:solidFill>
-                  <a:srgbClr val="262626"/>
-                </a:solidFill>
-              </a:rPr>
-              <a:t>Klasse</a:t>
-            </a:r>
-            <a:r>
-              <a:rPr lang="en-US" sz="5000" dirty="0">
-                <a:solidFill>
-                  <a:srgbClr val="262626"/>
-                </a:solidFill>
-              </a:rPr>
-              <a:t> diagram</a:t>
-            </a:r>
-          </a:p>
-        </p:txBody>
-      </p:sp>
-    </p:spTree>
-    <p:extLst>
-      <p:ext uri="{BB962C8B-B14F-4D97-AF65-F5344CB8AC3E}">
-        <p14:creationId xmlns:p14="http://schemas.microsoft.com/office/powerpoint/2010/main" val="3417603972"/>
-      </p:ext>
-    </p:extLst>
-  </p:cSld>
-  <p:clrMapOvr>
-    <a:masterClrMapping/>
-  </p:clrMapOvr>
-</p:sld>
-</file>
-
-<file path=ppt/slides/slide13.xml><?xml version="1.0" encoding="utf-8"?>
-<p:sld xmlns:a="http://schemas.openxmlformats.org/drawingml/2006/main" xmlns:r="http://schemas.openxmlformats.org/officeDocument/2006/relationships" xmlns:p="http://schemas.openxmlformats.org/presentationml/2006/main">
-  <p:cSld>
-    <p:spTree>
-      <p:nvGrpSpPr>
-        <p:cNvPr id="1" name=""/>
-        <p:cNvGrpSpPr/>
-        <p:nvPr/>
-      </p:nvGrpSpPr>
-      <p:grpSpPr>
-        <a:xfrm>
-          <a:off x="0" y="0"/>
-          <a:ext cx="0" cy="0"/>
-          <a:chOff x="0" y="0"/>
-          <a:chExt cx="0" cy="0"/>
-        </a:xfrm>
-      </p:grpSpPr>
-      <p:sp>
-        <p:nvSpPr>
-          <p:cNvPr id="2" name="Titel 1">
-            <a:extLst>
-              <a:ext uri="{FF2B5EF4-FFF2-40B4-BE49-F238E27FC236}">
-                <a16:creationId xmlns:a16="http://schemas.microsoft.com/office/drawing/2014/main" id="{8B25A83B-E4D8-4E69-9E0A-D212A51BF441}"/>
-              </a:ext>
-            </a:extLst>
-          </p:cNvPr>
-          <p:cNvSpPr>
-            <a:spLocks noGrp="1"/>
-          </p:cNvSpPr>
-          <p:nvPr>
-            <p:ph type="title"/>
-          </p:nvPr>
-        </p:nvSpPr>
-        <p:spPr>
-          <a:xfrm>
-            <a:off x="2231136" y="783717"/>
-            <a:ext cx="7729728" cy="1188720"/>
-          </a:xfrm>
-        </p:spPr>
-        <p:txBody>
-          <a:bodyPr/>
-          <a:lstStyle/>
-          <a:p>
-            <a:r>
-              <a:rPr lang="da-DK" dirty="0"/>
-              <a:t>KLASSE DIAGRAM </a:t>
-            </a:r>
-          </a:p>
-        </p:txBody>
-      </p:sp>
-      <p:sp>
-        <p:nvSpPr>
-          <p:cNvPr id="3" name="Pladsholder til indhold 2">
-            <a:extLst>
-              <a:ext uri="{FF2B5EF4-FFF2-40B4-BE49-F238E27FC236}">
-                <a16:creationId xmlns:a16="http://schemas.microsoft.com/office/drawing/2014/main" id="{82C13B9A-763C-4C63-A07F-8D438A0F44D9}"/>
-              </a:ext>
-            </a:extLst>
-          </p:cNvPr>
-          <p:cNvSpPr>
-            <a:spLocks noGrp="1"/>
-          </p:cNvSpPr>
-          <p:nvPr>
-            <p:ph idx="1"/>
-          </p:nvPr>
-        </p:nvSpPr>
-        <p:spPr/>
-        <p:txBody>
-          <a:bodyPr/>
-          <a:lstStyle/>
-          <a:p>
-            <a:endParaRPr lang="da-DK"/>
-          </a:p>
-        </p:txBody>
-      </p:sp>
-    </p:spTree>
-    <p:extLst>
-      <p:ext uri="{BB962C8B-B14F-4D97-AF65-F5344CB8AC3E}">
-        <p14:creationId xmlns:p14="http://schemas.microsoft.com/office/powerpoint/2010/main" val="4116047870"/>
-      </p:ext>
-    </p:extLst>
-  </p:cSld>
-  <p:clrMapOvr>
-    <a:masterClrMapping/>
-  </p:clrMapOvr>
-</p:sld>
-</file>
-
-<file path=ppt/slides/slide2.xml><?xml version="1.0" encoding="utf-8"?>
-<p:sld xmlns:a="http://schemas.openxmlformats.org/drawingml/2006/main" xmlns:r="http://schemas.openxmlformats.org/officeDocument/2006/relationships" xmlns:p="http://schemas.openxmlformats.org/presentationml/2006/main">
-  <p:cSld>
-    <p:spTree>
-      <p:nvGrpSpPr>
-        <p:cNvPr id="1" name=""/>
-        <p:cNvGrpSpPr/>
-        <p:nvPr/>
-      </p:nvGrpSpPr>
-      <p:grpSpPr>
-        <a:xfrm>
-          <a:off x="0" y="0"/>
-          <a:ext cx="0" cy="0"/>
-          <a:chOff x="0" y="0"/>
-          <a:chExt cx="0" cy="0"/>
-        </a:xfrm>
-      </p:grpSpPr>
-      <p:sp>
-        <p:nvSpPr>
-          <p:cNvPr id="2" name="Titel 1">
-            <a:extLst>
-              <a:ext uri="{FF2B5EF4-FFF2-40B4-BE49-F238E27FC236}">
-                <a16:creationId xmlns:a16="http://schemas.microsoft.com/office/drawing/2014/main" id="{B82D313C-55CC-4672-882D-FBF95B2FCB27}"/>
-              </a:ext>
-            </a:extLst>
-          </p:cNvPr>
-          <p:cNvSpPr>
-            <a:spLocks noGrp="1"/>
-          </p:cNvSpPr>
-          <p:nvPr>
-            <p:ph type="title"/>
-          </p:nvPr>
-        </p:nvSpPr>
-        <p:spPr>
-          <a:xfrm>
-            <a:off x="1262729" y="1289303"/>
-            <a:ext cx="9638443" cy="3339303"/>
-          </a:xfrm>
-          <a:ln>
-            <a:noFill/>
-          </a:ln>
-        </p:spPr>
-        <p:txBody>
-          <a:bodyPr vert="horz" lIns="274320" tIns="182880" rIns="274320" bIns="182880" rtlCol="0" anchor="ctr" anchorCtr="1">
-            <a:normAutofit/>
-          </a:bodyPr>
-          <a:lstStyle/>
-          <a:p>
-            <a:r>
-              <a:rPr lang="en-US" sz="5000" dirty="0">
-                <a:solidFill>
-                  <a:srgbClr val="262626"/>
-                </a:solidFill>
-              </a:rPr>
-              <a:t>USE CASE</a:t>
-            </a:r>
-          </a:p>
-        </p:txBody>
-      </p:sp>
-    </p:spTree>
-    <p:extLst>
-      <p:ext uri="{BB962C8B-B14F-4D97-AF65-F5344CB8AC3E}">
-        <p14:creationId xmlns:p14="http://schemas.microsoft.com/office/powerpoint/2010/main" val="1157603815"/>
-      </p:ext>
-    </p:extLst>
-  </p:cSld>
-  <p:clrMapOvr>
-    <a:masterClrMapping/>
-  </p:clrMapOvr>
-</p:sld>
-</file>
-
-<file path=ppt/slides/slide3.xml><?xml version="1.0" encoding="utf-8"?>
-<p:sld xmlns:a="http://schemas.openxmlformats.org/drawingml/2006/main" xmlns:r="http://schemas.openxmlformats.org/officeDocument/2006/relationships" xmlns:p="http://schemas.openxmlformats.org/presentationml/2006/main">
-  <p:cSld>
-    <p:spTree>
-      <p:nvGrpSpPr>
-        <p:cNvPr id="1" name=""/>
-        <p:cNvGrpSpPr/>
-        <p:nvPr/>
-      </p:nvGrpSpPr>
-      <p:grpSpPr>
-        <a:xfrm>
-          <a:off x="0" y="0"/>
-          <a:ext cx="0" cy="0"/>
-          <a:chOff x="0" y="0"/>
-          <a:chExt cx="0" cy="0"/>
-        </a:xfrm>
-      </p:grpSpPr>
-      <p:sp>
-        <p:nvSpPr>
-          <p:cNvPr id="2" name="Titel 1">
-            <a:extLst>
-              <a:ext uri="{FF2B5EF4-FFF2-40B4-BE49-F238E27FC236}">
-                <a16:creationId xmlns:a16="http://schemas.microsoft.com/office/drawing/2014/main" id="{8B25A83B-E4D8-4E69-9E0A-D212A51BF441}"/>
-              </a:ext>
-            </a:extLst>
-          </p:cNvPr>
-          <p:cNvSpPr>
-            <a:spLocks noGrp="1"/>
-          </p:cNvSpPr>
-          <p:nvPr>
-            <p:ph type="title"/>
-          </p:nvPr>
-        </p:nvSpPr>
-        <p:spPr>
-          <a:xfrm>
-            <a:off x="2231136" y="783717"/>
-            <a:ext cx="7729728" cy="1188720"/>
-          </a:xfrm>
-        </p:spPr>
-        <p:txBody>
-          <a:bodyPr/>
-          <a:lstStyle/>
-          <a:p>
-            <a:r>
-              <a:rPr lang="da-DK" dirty="0" err="1"/>
-              <a:t>Use</a:t>
-            </a:r>
-            <a:r>
-              <a:rPr lang="da-DK" dirty="0"/>
-              <a:t> case</a:t>
-            </a:r>
-          </a:p>
-        </p:txBody>
-      </p:sp>
-      <p:sp>
-        <p:nvSpPr>
-          <p:cNvPr id="3" name="Pladsholder til indhold 2">
-            <a:extLst>
-              <a:ext uri="{FF2B5EF4-FFF2-40B4-BE49-F238E27FC236}">
-                <a16:creationId xmlns:a16="http://schemas.microsoft.com/office/drawing/2014/main" id="{82C13B9A-763C-4C63-A07F-8D438A0F44D9}"/>
-              </a:ext>
-            </a:extLst>
-          </p:cNvPr>
-          <p:cNvSpPr>
-            <a:spLocks noGrp="1"/>
-          </p:cNvSpPr>
-          <p:nvPr>
-            <p:ph idx="1"/>
-          </p:nvPr>
-        </p:nvSpPr>
-        <p:spPr/>
-        <p:txBody>
-          <a:bodyPr/>
-          <a:lstStyle/>
-          <a:p>
-            <a:endParaRPr lang="da-DK"/>
-          </a:p>
-        </p:txBody>
-      </p:sp>
-    </p:spTree>
-    <p:extLst>
-      <p:ext uri="{BB962C8B-B14F-4D97-AF65-F5344CB8AC3E}">
-        <p14:creationId xmlns:p14="http://schemas.microsoft.com/office/powerpoint/2010/main" val="573086185"/>
-      </p:ext>
-    </p:extLst>
-  </p:cSld>
-  <p:clrMapOvr>
-    <a:masterClrMapping/>
-  </p:clrMapOvr>
-</p:sld>
-</file>
-
-<file path=ppt/slides/slide4.xml><?xml version="1.0" encoding="utf-8"?>
-<p:sld xmlns:a="http://schemas.openxmlformats.org/drawingml/2006/main" xmlns:r="http://schemas.openxmlformats.org/officeDocument/2006/relationships" xmlns:p="http://schemas.openxmlformats.org/presentationml/2006/main">
-  <p:cSld>
-    <p:spTree>
-      <p:nvGrpSpPr>
-        <p:cNvPr id="1" name=""/>
-        <p:cNvGrpSpPr/>
-        <p:nvPr/>
-      </p:nvGrpSpPr>
-      <p:grpSpPr>
-        <a:xfrm>
-          <a:off x="0" y="0"/>
-          <a:ext cx="0" cy="0"/>
-          <a:chOff x="0" y="0"/>
-          <a:chExt cx="0" cy="0"/>
-        </a:xfrm>
-      </p:grpSpPr>
-      <p:sp>
-        <p:nvSpPr>
-          <p:cNvPr id="2" name="Titel 1">
-            <a:extLst>
-              <a:ext uri="{FF2B5EF4-FFF2-40B4-BE49-F238E27FC236}">
-                <a16:creationId xmlns:a16="http://schemas.microsoft.com/office/drawing/2014/main" id="{B82D313C-55CC-4672-882D-FBF95B2FCB27}"/>
-              </a:ext>
-            </a:extLst>
-          </p:cNvPr>
-          <p:cNvSpPr>
-            <a:spLocks noGrp="1"/>
-          </p:cNvSpPr>
-          <p:nvPr>
-            <p:ph type="title"/>
-          </p:nvPr>
-        </p:nvSpPr>
-        <p:spPr>
-          <a:xfrm>
-            <a:off x="1262729" y="1289303"/>
-            <a:ext cx="9638443" cy="3339303"/>
-          </a:xfrm>
-          <a:ln>
-            <a:noFill/>
-          </a:ln>
-        </p:spPr>
-        <p:txBody>
-          <a:bodyPr vert="horz" lIns="274320" tIns="182880" rIns="274320" bIns="182880" rtlCol="0" anchor="ctr" anchorCtr="1">
-            <a:normAutofit/>
-          </a:bodyPr>
-          <a:lstStyle/>
-          <a:p>
-            <a:r>
-              <a:rPr lang="en-US" sz="5000" dirty="0" err="1">
-                <a:solidFill>
-                  <a:srgbClr val="262626"/>
-                </a:solidFill>
-              </a:rPr>
-              <a:t>Domæne</a:t>
-            </a:r>
-            <a:r>
-              <a:rPr lang="en-US" sz="5000" dirty="0">
-                <a:solidFill>
-                  <a:srgbClr val="262626"/>
-                </a:solidFill>
-              </a:rPr>
-              <a:t> model</a:t>
-            </a:r>
-          </a:p>
-        </p:txBody>
-      </p:sp>
-    </p:spTree>
-    <p:extLst>
-      <p:ext uri="{BB962C8B-B14F-4D97-AF65-F5344CB8AC3E}">
-        <p14:creationId xmlns:p14="http://schemas.microsoft.com/office/powerpoint/2010/main" val="1399232403"/>
-      </p:ext>
-    </p:extLst>
-  </p:cSld>
-  <p:clrMapOvr>
-    <a:masterClrMapping/>
-  </p:clrMapOvr>
-</p:sld>
-</file>
-
-<file path=ppt/slides/slide5.xml><?xml version="1.0" encoding="utf-8"?>
-<p:sld xmlns:a="http://schemas.openxmlformats.org/drawingml/2006/main" xmlns:r="http://schemas.openxmlformats.org/officeDocument/2006/relationships" xmlns:p="http://schemas.openxmlformats.org/presentationml/2006/main">
-  <p:cSld>
-    <p:spTree>
-      <p:nvGrpSpPr>
-        <p:cNvPr id="1" name=""/>
-        <p:cNvGrpSpPr/>
-        <p:nvPr/>
-      </p:nvGrpSpPr>
-      <p:grpSpPr>
-        <a:xfrm>
-          <a:off x="0" y="0"/>
-          <a:ext cx="0" cy="0"/>
-          <a:chOff x="0" y="0"/>
-          <a:chExt cx="0" cy="0"/>
-        </a:xfrm>
-      </p:grpSpPr>
-      <p:sp>
-        <p:nvSpPr>
-          <p:cNvPr id="2" name="Titel 1">
-            <a:extLst>
-              <a:ext uri="{FF2B5EF4-FFF2-40B4-BE49-F238E27FC236}">
-                <a16:creationId xmlns:a16="http://schemas.microsoft.com/office/drawing/2014/main" id="{8B25A83B-E4D8-4E69-9E0A-D212A51BF441}"/>
-              </a:ext>
-            </a:extLst>
-          </p:cNvPr>
-          <p:cNvSpPr>
-            <a:spLocks noGrp="1"/>
-          </p:cNvSpPr>
-          <p:nvPr>
-            <p:ph type="title"/>
-          </p:nvPr>
-        </p:nvSpPr>
-        <p:spPr>
-          <a:xfrm>
-            <a:off x="2231136" y="783717"/>
-            <a:ext cx="7729728" cy="1188720"/>
-          </a:xfrm>
-        </p:spPr>
-        <p:txBody>
-          <a:bodyPr/>
-          <a:lstStyle/>
-          <a:p>
-            <a:r>
-              <a:rPr lang="da-DK" dirty="0"/>
-              <a:t>DOMÆNE MODEL</a:t>
-            </a:r>
-          </a:p>
-        </p:txBody>
-      </p:sp>
-      <p:sp>
-        <p:nvSpPr>
-          <p:cNvPr id="3" name="Pladsholder til indhold 2">
-            <a:extLst>
-              <a:ext uri="{FF2B5EF4-FFF2-40B4-BE49-F238E27FC236}">
-                <a16:creationId xmlns:a16="http://schemas.microsoft.com/office/drawing/2014/main" id="{82C13B9A-763C-4C63-A07F-8D438A0F44D9}"/>
-              </a:ext>
-            </a:extLst>
-          </p:cNvPr>
-          <p:cNvSpPr>
-            <a:spLocks noGrp="1"/>
-          </p:cNvSpPr>
-          <p:nvPr>
-            <p:ph idx="1"/>
-          </p:nvPr>
-        </p:nvSpPr>
-        <p:spPr/>
-        <p:txBody>
-          <a:bodyPr/>
-          <a:lstStyle/>
-          <a:p>
-            <a:endParaRPr lang="da-DK"/>
-          </a:p>
-        </p:txBody>
-      </p:sp>
-    </p:spTree>
-    <p:extLst>
-      <p:ext uri="{BB962C8B-B14F-4D97-AF65-F5344CB8AC3E}">
-        <p14:creationId xmlns:p14="http://schemas.microsoft.com/office/powerpoint/2010/main" val="19418274"/>
-      </p:ext>
-    </p:extLst>
-  </p:cSld>
-  <p:clrMapOvr>
-    <a:masterClrMapping/>
-  </p:clrMapOvr>
-</p:sld>
-</file>
-
-<file path=ppt/slides/slide6.xml><?xml version="1.0" encoding="utf-8"?>
-<p:sld xmlns:a="http://schemas.openxmlformats.org/drawingml/2006/main" xmlns:r="http://schemas.openxmlformats.org/officeDocument/2006/relationships" xmlns:p="http://schemas.openxmlformats.org/presentationml/2006/main">
-  <p:cSld>
-    <p:bg>
-      <p:bgPr>
-        <a:solidFill>
-          <a:schemeClr val="bg1">
-            <a:lumMod val="95000"/>
-          </a:schemeClr>
-        </a:solidFill>
-        <a:effectLst/>
-      </p:bgPr>
-    </p:bg>
-    <p:spTree>
-      <p:nvGrpSpPr>
-        <p:cNvPr id="1" name=""/>
-        <p:cNvGrpSpPr/>
-        <p:nvPr/>
-      </p:nvGrpSpPr>
-      <p:grpSpPr>
-        <a:xfrm>
-          <a:off x="0" y="0"/>
-          <a:ext cx="0" cy="0"/>
-          <a:chOff x="0" y="0"/>
-          <a:chExt cx="0" cy="0"/>
-        </a:xfrm>
-      </p:grpSpPr>
-      <p:sp>
-        <p:nvSpPr>
-          <p:cNvPr id="8" name="Rectangle 7">
-            <a:extLst>
-              <a:ext uri="{FF2B5EF4-FFF2-40B4-BE49-F238E27FC236}">
-                <a16:creationId xmlns:a16="http://schemas.microsoft.com/office/drawing/2014/main" id="{84167985-D6E9-40FF-97C0-4B6D373E85C9}"/>
-              </a:ext>
-              <a:ext uri="{C183D7F6-B498-43B3-948B-1728B52AA6E4}">
-                <adec:decorative xmlns:adec="http://schemas.microsoft.com/office/drawing/2017/decorative" val="1"/>
-              </a:ext>
-            </a:extLst>
-          </p:cNvPr>
-          <p:cNvSpPr>
-            <a:spLocks noGrp="1" noRot="1" noChangeAspect="1" noMove="1" noResize="1" noEditPoints="1" noAdjustHandles="1" noChangeArrowheads="1" noChangeShapeType="1" noTextEdit="1"/>
-          </p:cNvSpPr>
-          <p:nvPr>
-            <p:extLst>
-              <p:ext uri="{386F3935-93C4-4BCD-93E2-E3B085C9AB24}">
-                <p16:designElem xmlns:p16="http://schemas.microsoft.com/office/powerpoint/2015/main" val="1"/>
-              </p:ext>
-            </p:extLst>
-          </p:nvPr>
-        </p:nvSpPr>
-        <p:spPr>
-          <a:xfrm>
-            <a:off x="640068" y="640080"/>
-            <a:ext cx="10911865" cy="4626864"/>
-          </a:xfrm>
-          <a:prstGeom prst="rect">
-            <a:avLst/>
-          </a:prstGeom>
-          <a:noFill/>
-          <a:ln w="31750" cap="sq">
-            <a:solidFill>
-              <a:srgbClr val="FFFFFF"/>
-            </a:solidFill>
-            <a:miter lim="800000"/>
-          </a:ln>
-        </p:spPr>
-        <p:style>
-          <a:lnRef idx="2">
-            <a:schemeClr val="accent1">
-              <a:shade val="50000"/>
-            </a:schemeClr>
-          </a:lnRef>
-          <a:fillRef idx="1">
-            <a:schemeClr val="accent1"/>
-          </a:fillRef>
-          <a:effectRef idx="0">
-            <a:schemeClr val="accent1"/>
-          </a:effectRef>
-          <a:fontRef idx="minor">
-            <a:schemeClr val="lt1"/>
-          </a:fontRef>
-        </p:style>
-        <p:txBody>
-          <a:bodyPr rtlCol="0" anchor="ctr"/>
-          <a:lstStyle/>
-          <a:p>
-            <a:pPr algn="ctr"/>
-            <a:endParaRPr lang="en-US" dirty="0"/>
-          </a:p>
-        </p:txBody>
-      </p:sp>
-      <p:sp>
-        <p:nvSpPr>
-          <p:cNvPr id="10" name="Rectangle 9">
-            <a:extLst>
-              <a:ext uri="{FF2B5EF4-FFF2-40B4-BE49-F238E27FC236}">
-                <a16:creationId xmlns:a16="http://schemas.microsoft.com/office/drawing/2014/main" id="{68801362-349C-44BE-BEF6-8E926E1D38BC}"/>
-              </a:ext>
-              <a:ext uri="{C183D7F6-B498-43B3-948B-1728B52AA6E4}">
-                <adec:decorative xmlns:adec="http://schemas.microsoft.com/office/drawing/2017/decorative" val="1"/>
-              </a:ext>
-            </a:extLst>
-          </p:cNvPr>
-          <p:cNvSpPr>
-            <a:spLocks noGrp="1" noRot="1" noChangeAspect="1" noMove="1" noResize="1" noEditPoints="1" noAdjustHandles="1" noChangeArrowheads="1" noChangeShapeType="1" noTextEdit="1"/>
-          </p:cNvSpPr>
-          <p:nvPr>
-            <p:extLst>
-              <p:ext uri="{386F3935-93C4-4BCD-93E2-E3B085C9AB24}">
-                <p16:designElem xmlns:p16="http://schemas.microsoft.com/office/powerpoint/2015/main" val="1"/>
-              </p:ext>
-            </p:extLst>
-          </p:nvPr>
-        </p:nvSpPr>
-        <p:spPr>
-          <a:xfrm>
-            <a:off x="806196" y="804672"/>
-            <a:ext cx="10579608" cy="4297680"/>
-          </a:xfrm>
-          <a:prstGeom prst="rect">
-            <a:avLst/>
-          </a:prstGeom>
-          <a:solidFill>
-            <a:srgbClr val="FFFFFF"/>
-          </a:solidFill>
-          <a:ln>
-            <a:noFill/>
-          </a:ln>
-        </p:spPr>
-        <p:style>
-          <a:lnRef idx="2">
-            <a:schemeClr val="accent1">
-              <a:shade val="50000"/>
-            </a:schemeClr>
-          </a:lnRef>
-          <a:fillRef idx="1">
-            <a:schemeClr val="accent1"/>
-          </a:fillRef>
-          <a:effectRef idx="0">
-            <a:schemeClr val="accent1"/>
-          </a:effectRef>
-          <a:fontRef idx="minor">
-            <a:schemeClr val="lt1"/>
-          </a:fontRef>
-        </p:style>
-        <p:txBody>
-          <a:bodyPr rtlCol="0" anchor="ctr"/>
-          <a:lstStyle/>
-          <a:p>
-            <a:pPr algn="ctr"/>
-            <a:endParaRPr lang="en-US"/>
-          </a:p>
-        </p:txBody>
-      </p:sp>
-      <p:sp>
-        <p:nvSpPr>
-          <p:cNvPr id="2" name="Titel 1">
-            <a:extLst>
-              <a:ext uri="{FF2B5EF4-FFF2-40B4-BE49-F238E27FC236}">
-                <a16:creationId xmlns:a16="http://schemas.microsoft.com/office/drawing/2014/main" id="{B82D313C-55CC-4672-882D-FBF95B2FCB27}"/>
-              </a:ext>
-            </a:extLst>
-          </p:cNvPr>
-          <p:cNvSpPr>
-            <a:spLocks noGrp="1"/>
-          </p:cNvSpPr>
-          <p:nvPr>
-            <p:ph type="title"/>
-          </p:nvPr>
-        </p:nvSpPr>
-        <p:spPr>
-          <a:xfrm>
-            <a:off x="1262729" y="1289303"/>
-            <a:ext cx="9638443" cy="3339303"/>
-          </a:xfrm>
-          <a:ln>
-            <a:noFill/>
-          </a:ln>
-        </p:spPr>
-        <p:txBody>
-          <a:bodyPr vert="horz" lIns="274320" tIns="182880" rIns="274320" bIns="182880" rtlCol="0" anchor="ctr" anchorCtr="1">
-            <a:normAutofit/>
-          </a:bodyPr>
-          <a:lstStyle/>
-          <a:p>
-            <a:r>
-              <a:rPr lang="en-US" sz="5000">
-                <a:solidFill>
-                  <a:srgbClr val="262626"/>
-                </a:solidFill>
-              </a:rPr>
-              <a:t>risikoanalyse</a:t>
-            </a:r>
-          </a:p>
-        </p:txBody>
-      </p:sp>
-    </p:spTree>
-    <p:extLst>
-      <p:ext uri="{BB962C8B-B14F-4D97-AF65-F5344CB8AC3E}">
-        <p14:creationId xmlns:p14="http://schemas.microsoft.com/office/powerpoint/2010/main" val="2093609737"/>
-      </p:ext>
-    </p:extLst>
-  </p:cSld>
-  <p:clrMapOvr>
-    <a:masterClrMapping/>
-  </p:clrMapOvr>
-</p:sld>
-</file>
-
-<file path=ppt/slides/slide7.xml><?xml version="1.0" encoding="utf-8"?>
-<p:sld xmlns:a="http://schemas.openxmlformats.org/drawingml/2006/main" xmlns:r="http://schemas.openxmlformats.org/officeDocument/2006/relationships" xmlns:p="http://schemas.openxmlformats.org/presentationml/2006/main">
-  <p:cSld>
-    <p:spTree>
-      <p:nvGrpSpPr>
-        <p:cNvPr id="1" name=""/>
-        <p:cNvGrpSpPr/>
-        <p:nvPr/>
-      </p:nvGrpSpPr>
-      <p:grpSpPr>
-        <a:xfrm>
-          <a:off x="0" y="0"/>
-          <a:ext cx="0" cy="0"/>
-          <a:chOff x="0" y="0"/>
-          <a:chExt cx="0" cy="0"/>
-        </a:xfrm>
-      </p:grpSpPr>
-      <p:sp>
-        <p:nvSpPr>
-          <p:cNvPr id="2" name="Titel 1">
-            <a:extLst>
-              <a:ext uri="{FF2B5EF4-FFF2-40B4-BE49-F238E27FC236}">
-                <a16:creationId xmlns:a16="http://schemas.microsoft.com/office/drawing/2014/main" id="{C098B9EF-2EE7-489E-A0A2-9497F3B3D17C}"/>
-              </a:ext>
-            </a:extLst>
-          </p:cNvPr>
-          <p:cNvSpPr>
-            <a:spLocks noGrp="1"/>
-          </p:cNvSpPr>
-          <p:nvPr>
-            <p:ph type="title"/>
-          </p:nvPr>
-        </p:nvSpPr>
-        <p:spPr/>
-        <p:txBody>
-          <a:bodyPr/>
-          <a:lstStyle/>
-          <a:p>
-            <a:r>
-              <a:rPr lang="da-DK" dirty="0"/>
-              <a:t>Scenarier</a:t>
-            </a:r>
-          </a:p>
-        </p:txBody>
-      </p:sp>
-      <p:sp>
-        <p:nvSpPr>
-          <p:cNvPr id="3" name="Pladsholder til indhold 2">
-            <a:extLst>
-              <a:ext uri="{FF2B5EF4-FFF2-40B4-BE49-F238E27FC236}">
-                <a16:creationId xmlns:a16="http://schemas.microsoft.com/office/drawing/2014/main" id="{1B5A0CF6-1582-4F5A-9301-68967E350953}"/>
-              </a:ext>
-            </a:extLst>
-          </p:cNvPr>
-          <p:cNvSpPr>
-            <a:spLocks noGrp="1"/>
-          </p:cNvSpPr>
-          <p:nvPr>
-            <p:ph idx="1"/>
-          </p:nvPr>
-        </p:nvSpPr>
-        <p:spPr/>
-        <p:txBody>
-          <a:bodyPr/>
-          <a:lstStyle/>
-          <a:p>
-            <a:pPr marL="0" indent="0">
-              <a:buNone/>
-            </a:pPr>
-            <a:r>
-              <a:rPr lang="da-DK" dirty="0">
-                <a:latin typeface="Times New Roman" panose="02020603050405020304" pitchFamily="18" charset="0"/>
-                <a:cs typeface="Times New Roman" panose="02020603050405020304" pitchFamily="18" charset="0"/>
-              </a:rPr>
-              <a:t>Scenarie 1. Tastefejl indebærer brugerens menneskelige fejl.</a:t>
-            </a:r>
-          </a:p>
-          <a:p>
-            <a:pPr>
-              <a:buFontTx/>
-              <a:buChar char="-"/>
-            </a:pPr>
-            <a:r>
-              <a:rPr lang="da-DK" dirty="0">
-                <a:latin typeface="Times New Roman" panose="02020603050405020304" pitchFamily="18" charset="0"/>
-                <a:cs typeface="Times New Roman" panose="02020603050405020304" pitchFamily="18" charset="0"/>
-              </a:rPr>
-              <a:t>Input fejl</a:t>
-            </a:r>
-          </a:p>
-          <a:p>
-            <a:pPr marL="0" indent="0">
-              <a:buNone/>
-            </a:pPr>
-            <a:endParaRPr lang="da-DK" dirty="0">
-              <a:latin typeface="Times New Roman" panose="02020603050405020304" pitchFamily="18" charset="0"/>
-              <a:cs typeface="Times New Roman" panose="02020603050405020304" pitchFamily="18" charset="0"/>
-            </a:endParaRPr>
-          </a:p>
-          <a:p>
-            <a:pPr marL="0" indent="0">
-              <a:buNone/>
-            </a:pPr>
-            <a:r>
-              <a:rPr lang="da-DK" dirty="0">
-                <a:latin typeface="Times New Roman" panose="02020603050405020304" pitchFamily="18" charset="0"/>
-                <a:cs typeface="Times New Roman" panose="02020603050405020304" pitchFamily="18" charset="0"/>
-              </a:rPr>
-              <a:t>Scenarie 2. Systemfejl indebære når programmet stopper med at virke.</a:t>
-            </a:r>
-          </a:p>
-          <a:p>
-            <a:pPr>
-              <a:buFontTx/>
-              <a:buChar char="-"/>
-            </a:pPr>
-            <a:r>
-              <a:rPr lang="da-DK" dirty="0">
-                <a:latin typeface="Times New Roman" panose="02020603050405020304" pitchFamily="18" charset="0"/>
-                <a:cs typeface="Times New Roman" panose="02020603050405020304" pitchFamily="18" charset="0"/>
-              </a:rPr>
-              <a:t>Fil ikke fundet</a:t>
-            </a:r>
-          </a:p>
-          <a:p>
-            <a:pPr>
-              <a:buFontTx/>
-              <a:buChar char="-"/>
-            </a:pPr>
-            <a:endParaRPr lang="da-DK" dirty="0">
-              <a:latin typeface="Times New Roman" panose="02020603050405020304" pitchFamily="18" charset="0"/>
-              <a:cs typeface="Times New Roman" panose="02020603050405020304" pitchFamily="18" charset="0"/>
-            </a:endParaRPr>
-          </a:p>
-        </p:txBody>
-      </p:sp>
-    </p:spTree>
-    <p:extLst>
-      <p:ext uri="{BB962C8B-B14F-4D97-AF65-F5344CB8AC3E}">
-        <p14:creationId xmlns:p14="http://schemas.microsoft.com/office/powerpoint/2010/main" val="2184215786"/>
-      </p:ext>
-    </p:extLst>
-  </p:cSld>
-  <p:clrMapOvr>
-    <a:masterClrMapping/>
-  </p:clrMapOvr>
-</p:sld>
-</file>
-
-<file path=ppt/slides/slide8.xml><?xml version="1.0" encoding="utf-8"?>
-<p:sld xmlns:a="http://schemas.openxmlformats.org/drawingml/2006/main" xmlns:r="http://schemas.openxmlformats.org/officeDocument/2006/relationships" xmlns:p="http://schemas.openxmlformats.org/presentationml/2006/main">
-  <p:cSld>
-    <p:spTree>
-      <p:nvGrpSpPr>
-        <p:cNvPr id="1" name=""/>
-        <p:cNvGrpSpPr/>
-        <p:nvPr/>
-      </p:nvGrpSpPr>
-      <p:grpSpPr>
-        <a:xfrm>
-          <a:off x="0" y="0"/>
-          <a:ext cx="0" cy="0"/>
-          <a:chOff x="0" y="0"/>
-          <a:chExt cx="0" cy="0"/>
-        </a:xfrm>
-      </p:grpSpPr>
-      <p:sp>
-        <p:nvSpPr>
-          <p:cNvPr id="2" name="Titel 1">
-            <a:extLst>
-              <a:ext uri="{FF2B5EF4-FFF2-40B4-BE49-F238E27FC236}">
-                <a16:creationId xmlns:a16="http://schemas.microsoft.com/office/drawing/2014/main" id="{1D578766-AC36-4E65-9B5B-D54CD9C82959}"/>
-              </a:ext>
-            </a:extLst>
-          </p:cNvPr>
-          <p:cNvSpPr>
-            <a:spLocks noGrp="1"/>
-          </p:cNvSpPr>
-          <p:nvPr>
-            <p:ph type="title"/>
-          </p:nvPr>
-        </p:nvSpPr>
-        <p:spPr/>
-        <p:txBody>
-          <a:bodyPr/>
-          <a:lstStyle/>
-          <a:p>
-            <a:r>
-              <a:rPr lang="da-DK" dirty="0">
-                <a:latin typeface="Times New Roman" panose="02020603050405020304" pitchFamily="18" charset="0"/>
-                <a:cs typeface="Times New Roman" panose="02020603050405020304" pitchFamily="18" charset="0"/>
-              </a:rPr>
-              <a:t>Sandsynlighed</a:t>
-            </a:r>
-            <a:endParaRPr lang="da-DK" dirty="0"/>
-          </a:p>
-        </p:txBody>
-      </p:sp>
-      <p:sp>
-        <p:nvSpPr>
-          <p:cNvPr id="3" name="Pladsholder til indhold 2">
-            <a:extLst>
-              <a:ext uri="{FF2B5EF4-FFF2-40B4-BE49-F238E27FC236}">
-                <a16:creationId xmlns:a16="http://schemas.microsoft.com/office/drawing/2014/main" id="{096D32F5-198B-41D9-8831-1E453948F4DF}"/>
-              </a:ext>
-            </a:extLst>
-          </p:cNvPr>
-          <p:cNvSpPr>
-            <a:spLocks noGrp="1"/>
-          </p:cNvSpPr>
-          <p:nvPr>
-            <p:ph idx="1"/>
-          </p:nvPr>
-        </p:nvSpPr>
-        <p:spPr/>
-        <p:txBody>
-          <a:bodyPr/>
-          <a:lstStyle/>
-          <a:p>
-            <a:pPr marL="0" indent="0">
-              <a:buNone/>
-            </a:pPr>
-            <a:r>
-              <a:rPr lang="da-DK" dirty="0"/>
-              <a:t>Skala 1-5</a:t>
-            </a:r>
-          </a:p>
-          <a:p>
-            <a:pPr marL="342900" indent="-342900">
-              <a:buAutoNum type="arabicPeriod"/>
-            </a:pPr>
-            <a:r>
-              <a:rPr lang="da-DK" dirty="0"/>
-              <a:t>Meget lav (&lt;10%)</a:t>
-            </a:r>
-          </a:p>
-          <a:p>
-            <a:pPr marL="342900" indent="-342900">
-              <a:buAutoNum type="arabicPeriod"/>
-            </a:pPr>
-            <a:r>
-              <a:rPr lang="da-DK" dirty="0"/>
-              <a:t>Lav (10%-25%)</a:t>
-            </a:r>
-          </a:p>
-          <a:p>
-            <a:pPr marL="342900" indent="-342900">
-              <a:buAutoNum type="arabicPeriod"/>
-            </a:pPr>
-            <a:r>
-              <a:rPr lang="da-DK" dirty="0"/>
-              <a:t>Moderat (25%-50%)</a:t>
-            </a:r>
-          </a:p>
-          <a:p>
-            <a:pPr marL="342900" indent="-342900">
-              <a:buAutoNum type="arabicPeriod"/>
-            </a:pPr>
-            <a:r>
-              <a:rPr lang="da-DK" dirty="0"/>
-              <a:t>Høj (50%-75%)</a:t>
-            </a:r>
-          </a:p>
-          <a:p>
-            <a:pPr marL="342900" indent="-342900">
-              <a:buAutoNum type="arabicPeriod"/>
-            </a:pPr>
-            <a:r>
-              <a:rPr lang="da-DK" dirty="0"/>
-              <a:t>Meget høj (&gt;75%)</a:t>
-            </a:r>
-          </a:p>
-          <a:p>
-            <a:pPr marL="342900" indent="-342900">
-              <a:buAutoNum type="arabicPeriod"/>
-            </a:pPr>
-            <a:endParaRPr lang="da-DK" dirty="0"/>
-          </a:p>
-        </p:txBody>
-      </p:sp>
-    </p:spTree>
-    <p:extLst>
-      <p:ext uri="{BB962C8B-B14F-4D97-AF65-F5344CB8AC3E}">
-        <p14:creationId xmlns:p14="http://schemas.microsoft.com/office/powerpoint/2010/main" val="582433322"/>
-      </p:ext>
-    </p:extLst>
-  </p:cSld>
-  <p:clrMapOvr>
-    <a:masterClrMapping/>
-  </p:clrMapOvr>
-</p:sld>
-</file>
-
-<file path=ppt/slides/slide9.xml><?xml version="1.0" encoding="utf-8"?>
-<p:sld xmlns:a="http://schemas.openxmlformats.org/drawingml/2006/main" xmlns:r="http://schemas.openxmlformats.org/officeDocument/2006/relationships" xmlns:p="http://schemas.openxmlformats.org/presentationml/2006/main">
-  <p:cSld>
-    <p:spTree>
-      <p:nvGrpSpPr>
-        <p:cNvPr id="1" name=""/>
-        <p:cNvGrpSpPr/>
-        <p:nvPr/>
-      </p:nvGrpSpPr>
-      <p:grpSpPr>
-        <a:xfrm>
-          <a:off x="0" y="0"/>
-          <a:ext cx="0" cy="0"/>
-          <a:chOff x="0" y="0"/>
-          <a:chExt cx="0" cy="0"/>
-        </a:xfrm>
-      </p:grpSpPr>
-      <p:sp>
-        <p:nvSpPr>
-          <p:cNvPr id="2" name="Titel 1">
-            <a:extLst>
-              <a:ext uri="{FF2B5EF4-FFF2-40B4-BE49-F238E27FC236}">
-                <a16:creationId xmlns:a16="http://schemas.microsoft.com/office/drawing/2014/main" id="{B68206BD-CD1A-48FF-BB9D-520D4BA951E5}"/>
-              </a:ext>
-            </a:extLst>
-          </p:cNvPr>
-          <p:cNvSpPr>
-            <a:spLocks noGrp="1"/>
-          </p:cNvSpPr>
-          <p:nvPr>
-            <p:ph type="title"/>
-          </p:nvPr>
-        </p:nvSpPr>
-        <p:spPr/>
-        <p:txBody>
-          <a:bodyPr/>
-          <a:lstStyle/>
-          <a:p>
-            <a:r>
-              <a:rPr lang="da-DK" dirty="0">
-                <a:latin typeface="Times New Roman" panose="02020603050405020304" pitchFamily="18" charset="0"/>
-                <a:cs typeface="Times New Roman" panose="02020603050405020304" pitchFamily="18" charset="0"/>
-              </a:rPr>
-              <a:t>Konsekvens</a:t>
-            </a:r>
-            <a:endParaRPr lang="da-DK" dirty="0"/>
-          </a:p>
-        </p:txBody>
-      </p:sp>
-      <p:sp>
-        <p:nvSpPr>
-          <p:cNvPr id="3" name="Pladsholder til indhold 2">
-            <a:extLst>
-              <a:ext uri="{FF2B5EF4-FFF2-40B4-BE49-F238E27FC236}">
-                <a16:creationId xmlns:a16="http://schemas.microsoft.com/office/drawing/2014/main" id="{F8EE7A0A-8513-4B25-9992-7AA05FEFBA9C}"/>
-              </a:ext>
-            </a:extLst>
-          </p:cNvPr>
-          <p:cNvSpPr>
-            <a:spLocks noGrp="1"/>
-          </p:cNvSpPr>
-          <p:nvPr>
-            <p:ph idx="1"/>
-          </p:nvPr>
-        </p:nvSpPr>
-        <p:spPr/>
-        <p:txBody>
-          <a:bodyPr/>
-          <a:lstStyle/>
-          <a:p>
-            <a:pPr marL="0" indent="0">
-              <a:buNone/>
-            </a:pPr>
-            <a:r>
-              <a:rPr lang="da-DK" dirty="0"/>
-              <a:t>Skala 1-4</a:t>
-            </a:r>
-          </a:p>
-          <a:p>
-            <a:pPr marL="342900" indent="-342900">
-              <a:buAutoNum type="arabicPeriod"/>
-            </a:pPr>
-            <a:r>
-              <a:rPr lang="da-DK" dirty="0"/>
-              <a:t>Ubetydelig</a:t>
-            </a:r>
-          </a:p>
-          <a:p>
-            <a:pPr marL="342900" indent="-342900">
-              <a:buAutoNum type="arabicPeriod"/>
-            </a:pPr>
-            <a:r>
-              <a:rPr lang="da-DK" dirty="0"/>
-              <a:t>Tålelig</a:t>
-            </a:r>
-          </a:p>
-          <a:p>
-            <a:pPr marL="342900" indent="-342900">
-              <a:buAutoNum type="arabicPeriod"/>
-            </a:pPr>
-            <a:r>
-              <a:rPr lang="da-DK" dirty="0"/>
-              <a:t>Alvorlig</a:t>
-            </a:r>
-          </a:p>
-          <a:p>
-            <a:pPr marL="342900" indent="-342900">
-              <a:buAutoNum type="arabicPeriod"/>
-            </a:pPr>
-            <a:r>
-              <a:rPr lang="da-DK" dirty="0"/>
-              <a:t>Katastrofal </a:t>
-            </a:r>
-          </a:p>
-        </p:txBody>
-      </p:sp>
-    </p:spTree>
-    <p:extLst>
-      <p:ext uri="{BB962C8B-B14F-4D97-AF65-F5344CB8AC3E}">
-        <p14:creationId xmlns:p14="http://schemas.microsoft.com/office/powerpoint/2010/main" val="739501535"/>
       </p:ext>
     </p:extLst>
   </p:cSld>
